--- a/dickson.pptx
+++ b/dickson.pptx
@@ -109,6 +109,11 @@
       </a:defRPr>
     </a:lvl9pPr>
   </p:defaultTextStyle>
+  <p:extLst>
+    <p:ext uri="{EFAFB233-063F-42B5-8137-9DF3F51BA10A}">
+      <p15:sldGuideLst xmlns:p15="http://schemas.microsoft.com/office/powerpoint/2012/main"/>
+    </p:ext>
+  </p:extLst>
 </p:presentation>
 </file>
 
@@ -118,6 +123,80 @@
     <p1510:client id="{D127CB3F-C383-1347-991C-93442FCEDBA5}" v="2" dt="2024-07-03T11:17:12.990"/>
   </p1510:revLst>
 </p1510:revInfo>
+</file>
+
+<file path=ppt/changesInfos/changesInfo1.xml><?xml version="1.0" encoding="utf-8"?>
+<pc:chgInfo xmlns:a="http://schemas.openxmlformats.org/drawingml/2006/main" xmlns:r="http://schemas.openxmlformats.org/officeDocument/2006/relationships" xmlns:ac="http://schemas.microsoft.com/office/drawing/2013/main/command" xmlns:pc="http://schemas.microsoft.com/office/powerpoint/2013/main/command">
+  <pc:docChgLst>
+    <pc:chgData name="Francesco Colombo" userId="846b3ec4-1de8-4f23-ab2a-40aa096f592a" providerId="ADAL" clId="{D127CB3F-C383-1347-991C-93442FCEDBA5}"/>
+    <pc:docChg chg="undo custSel modSld">
+      <pc:chgData name="Francesco Colombo" userId="846b3ec4-1de8-4f23-ab2a-40aa096f592a" providerId="ADAL" clId="{D127CB3F-C383-1347-991C-93442FCEDBA5}" dt="2024-07-05T07:20:06.976" v="130" actId="20577"/>
+      <pc:docMkLst>
+        <pc:docMk/>
+      </pc:docMkLst>
+      <pc:sldChg chg="modSp mod">
+        <pc:chgData name="Francesco Colombo" userId="846b3ec4-1de8-4f23-ab2a-40aa096f592a" providerId="ADAL" clId="{D127CB3F-C383-1347-991C-93442FCEDBA5}" dt="2024-07-05T07:18:46.899" v="103" actId="20577"/>
+        <pc:sldMkLst>
+          <pc:docMk/>
+          <pc:sldMk cId="2716637412" sldId="257"/>
+        </pc:sldMkLst>
+        <pc:spChg chg="mod">
+          <ac:chgData name="Francesco Colombo" userId="846b3ec4-1de8-4f23-ab2a-40aa096f592a" providerId="ADAL" clId="{D127CB3F-C383-1347-991C-93442FCEDBA5}" dt="2024-07-05T07:18:46.899" v="103" actId="20577"/>
+          <ac:spMkLst>
+            <pc:docMk/>
+            <pc:sldMk cId="2716637412" sldId="257"/>
+            <ac:spMk id="3" creationId="{7285D8C1-3C37-844C-0200-49AE1D344497}"/>
+          </ac:spMkLst>
+        </pc:spChg>
+      </pc:sldChg>
+      <pc:sldChg chg="modSp mod">
+        <pc:chgData name="Francesco Colombo" userId="846b3ec4-1de8-4f23-ab2a-40aa096f592a" providerId="ADAL" clId="{D127CB3F-C383-1347-991C-93442FCEDBA5}" dt="2024-07-05T07:20:06.976" v="130" actId="20577"/>
+        <pc:sldMkLst>
+          <pc:docMk/>
+          <pc:sldMk cId="218797296" sldId="258"/>
+        </pc:sldMkLst>
+        <pc:spChg chg="mod">
+          <ac:chgData name="Francesco Colombo" userId="846b3ec4-1de8-4f23-ab2a-40aa096f592a" providerId="ADAL" clId="{D127CB3F-C383-1347-991C-93442FCEDBA5}" dt="2024-07-05T07:20:06.976" v="130" actId="20577"/>
+          <ac:spMkLst>
+            <pc:docMk/>
+            <pc:sldMk cId="218797296" sldId="258"/>
+            <ac:spMk id="3" creationId="{AA474700-F5FC-D19C-3AD6-CE4DF2E33DC7}"/>
+          </ac:spMkLst>
+        </pc:spChg>
+      </pc:sldChg>
+      <pc:sldChg chg="modSp mod">
+        <pc:chgData name="Francesco Colombo" userId="846b3ec4-1de8-4f23-ab2a-40aa096f592a" providerId="ADAL" clId="{D127CB3F-C383-1347-991C-93442FCEDBA5}" dt="2024-07-05T07:14:01.320" v="13" actId="20577"/>
+        <pc:sldMkLst>
+          <pc:docMk/>
+          <pc:sldMk cId="606499635" sldId="259"/>
+        </pc:sldMkLst>
+        <pc:spChg chg="mod">
+          <ac:chgData name="Francesco Colombo" userId="846b3ec4-1de8-4f23-ab2a-40aa096f592a" providerId="ADAL" clId="{D127CB3F-C383-1347-991C-93442FCEDBA5}" dt="2024-07-05T07:14:01.320" v="13" actId="20577"/>
+          <ac:spMkLst>
+            <pc:docMk/>
+            <pc:sldMk cId="606499635" sldId="259"/>
+            <ac:spMk id="3" creationId="{44780C88-9D15-BF03-DE4D-38259B19181B}"/>
+          </ac:spMkLst>
+        </pc:spChg>
+      </pc:sldChg>
+      <pc:sldChg chg="modSp mod">
+        <pc:chgData name="Francesco Colombo" userId="846b3ec4-1de8-4f23-ab2a-40aa096f592a" providerId="ADAL" clId="{D127CB3F-C383-1347-991C-93442FCEDBA5}" dt="2024-07-05T07:15:37.918" v="59" actId="20577"/>
+        <pc:sldMkLst>
+          <pc:docMk/>
+          <pc:sldMk cId="148854166" sldId="261"/>
+        </pc:sldMkLst>
+        <pc:spChg chg="mod">
+          <ac:chgData name="Francesco Colombo" userId="846b3ec4-1de8-4f23-ab2a-40aa096f592a" providerId="ADAL" clId="{D127CB3F-C383-1347-991C-93442FCEDBA5}" dt="2024-07-05T07:15:37.918" v="59" actId="20577"/>
+          <ac:spMkLst>
+            <pc:docMk/>
+            <pc:sldMk cId="148854166" sldId="261"/>
+            <ac:spMk id="3" creationId="{44780C88-9D15-BF03-DE4D-38259B19181B}"/>
+          </ac:spMkLst>
+        </pc:spChg>
+      </pc:sldChg>
+    </pc:docChg>
+  </pc:docChgLst>
+</pc:chgInfo>
 </file>
 
 <file path=ppt/slideLayouts/slideLayout1.xml><?xml version="1.0" encoding="utf-8"?>
@@ -269,7 +348,7 @@
           <a:p>
             <a:fld id="{5AD322E0-4ED6-6E49-848E-68D64F86CA6C}" type="datetimeFigureOut">
               <a:rPr lang="en-DK" smtClean="0"/>
-              <a:t>02/07/2024</a:t>
+              <a:t>05/07/2024</a:t>
             </a:fld>
             <a:endParaRPr lang="en-DK"/>
           </a:p>
@@ -469,7 +548,7 @@
           <a:p>
             <a:fld id="{5AD322E0-4ED6-6E49-848E-68D64F86CA6C}" type="datetimeFigureOut">
               <a:rPr lang="en-DK" smtClean="0"/>
-              <a:t>02/07/2024</a:t>
+              <a:t>05/07/2024</a:t>
             </a:fld>
             <a:endParaRPr lang="en-DK"/>
           </a:p>
@@ -679,7 +758,7 @@
           <a:p>
             <a:fld id="{5AD322E0-4ED6-6E49-848E-68D64F86CA6C}" type="datetimeFigureOut">
               <a:rPr lang="en-DK" smtClean="0"/>
-              <a:t>02/07/2024</a:t>
+              <a:t>05/07/2024</a:t>
             </a:fld>
             <a:endParaRPr lang="en-DK"/>
           </a:p>
@@ -879,7 +958,7 @@
           <a:p>
             <a:fld id="{5AD322E0-4ED6-6E49-848E-68D64F86CA6C}" type="datetimeFigureOut">
               <a:rPr lang="en-DK" smtClean="0"/>
-              <a:t>02/07/2024</a:t>
+              <a:t>05/07/2024</a:t>
             </a:fld>
             <a:endParaRPr lang="en-DK"/>
           </a:p>
@@ -1155,7 +1234,7 @@
           <a:p>
             <a:fld id="{5AD322E0-4ED6-6E49-848E-68D64F86CA6C}" type="datetimeFigureOut">
               <a:rPr lang="en-DK" smtClean="0"/>
-              <a:t>02/07/2024</a:t>
+              <a:t>05/07/2024</a:t>
             </a:fld>
             <a:endParaRPr lang="en-DK"/>
           </a:p>
@@ -1423,7 +1502,7 @@
           <a:p>
             <a:fld id="{5AD322E0-4ED6-6E49-848E-68D64F86CA6C}" type="datetimeFigureOut">
               <a:rPr lang="en-DK" smtClean="0"/>
-              <a:t>02/07/2024</a:t>
+              <a:t>05/07/2024</a:t>
             </a:fld>
             <a:endParaRPr lang="en-DK"/>
           </a:p>
@@ -1838,7 +1917,7 @@
           <a:p>
             <a:fld id="{5AD322E0-4ED6-6E49-848E-68D64F86CA6C}" type="datetimeFigureOut">
               <a:rPr lang="en-DK" smtClean="0"/>
-              <a:t>02/07/2024</a:t>
+              <a:t>05/07/2024</a:t>
             </a:fld>
             <a:endParaRPr lang="en-DK"/>
           </a:p>
@@ -1980,7 +2059,7 @@
           <a:p>
             <a:fld id="{5AD322E0-4ED6-6E49-848E-68D64F86CA6C}" type="datetimeFigureOut">
               <a:rPr lang="en-DK" smtClean="0"/>
-              <a:t>02/07/2024</a:t>
+              <a:t>05/07/2024</a:t>
             </a:fld>
             <a:endParaRPr lang="en-DK"/>
           </a:p>
@@ -2093,7 +2172,7 @@
           <a:p>
             <a:fld id="{5AD322E0-4ED6-6E49-848E-68D64F86CA6C}" type="datetimeFigureOut">
               <a:rPr lang="en-DK" smtClean="0"/>
-              <a:t>02/07/2024</a:t>
+              <a:t>05/07/2024</a:t>
             </a:fld>
             <a:endParaRPr lang="en-DK"/>
           </a:p>
@@ -2406,7 +2485,7 @@
           <a:p>
             <a:fld id="{5AD322E0-4ED6-6E49-848E-68D64F86CA6C}" type="datetimeFigureOut">
               <a:rPr lang="en-DK" smtClean="0"/>
-              <a:t>02/07/2024</a:t>
+              <a:t>05/07/2024</a:t>
             </a:fld>
             <a:endParaRPr lang="en-DK"/>
           </a:p>
@@ -2695,7 +2774,7 @@
           <a:p>
             <a:fld id="{5AD322E0-4ED6-6E49-848E-68D64F86CA6C}" type="datetimeFigureOut">
               <a:rPr lang="en-DK" smtClean="0"/>
-              <a:t>02/07/2024</a:t>
+              <a:t>05/07/2024</a:t>
             </a:fld>
             <a:endParaRPr lang="en-DK"/>
           </a:p>
@@ -2938,7 +3017,7 @@
           <a:p>
             <a:fld id="{5AD322E0-4ED6-6E49-848E-68D64F86CA6C}" type="datetimeFigureOut">
               <a:rPr lang="en-DK" smtClean="0"/>
-              <a:t>02/07/2024</a:t>
+              <a:t>05/07/2024</a:t>
             </a:fld>
             <a:endParaRPr lang="en-DK"/>
           </a:p>
@@ -3520,7 +3599,17 @@
           <a:p>
             <a:r>
               <a:rPr lang="en-DK" dirty="0"/>
-              <a:t>Amazing GP closure data from the UK, effect on satisfaction with the service (mani</a:t>
+              <a:t>GP closure data from the UK </a:t>
+            </a:r>
+            <a:r>
+              <a:rPr lang="en-DK" dirty="0">
+                <a:sym typeface="Wingdings" pitchFamily="2" charset="2"/>
+              </a:rPr>
+              <a:t> </a:t>
+            </a:r>
+            <a:r>
+              <a:rPr lang="en-DK" dirty="0"/>
+              <a:t>effect on satisfaction with the service (mani</a:t>
             </a:r>
             <a:r>
               <a:rPr lang="en-GB" dirty="0"/>
@@ -3529,13 +3618,6 @@
             <a:r>
               <a:rPr lang="en-DK" dirty="0"/>
               <a:t>tion ) and populist right parties</a:t>
-            </a:r>
-          </a:p>
-          <a:p>
-            <a:pPr lvl="1"/>
-            <a:r>
-              <a:rPr lang="en-DK" dirty="0"/>
-              <a:t>All using individual level/GP practice data </a:t>
             </a:r>
           </a:p>
           <a:p>
@@ -3670,7 +3752,7 @@
             </a:r>
             <a:r>
               <a:rPr lang="da-DK" dirty="0"/>
-              <a:t> data</a:t>
+              <a:t> data for a relevant case</a:t>
             </a:r>
           </a:p>
           <a:p>
@@ -3680,21 +3762,11 @@
             </a:r>
             <a:r>
               <a:rPr lang="da-DK" dirty="0" err="1"/>
-              <a:t>through</a:t>
+              <a:t>well-developed</a:t>
             </a:r>
             <a:r>
               <a:rPr lang="da-DK" dirty="0"/>
               <a:t> design</a:t>
-            </a:r>
-          </a:p>
-          <a:p>
-            <a:r>
-              <a:rPr lang="da-DK" dirty="0" err="1"/>
-              <a:t>Very</a:t>
-            </a:r>
-            <a:r>
-              <a:rPr lang="da-DK" dirty="0"/>
-              <a:t> relevant case</a:t>
             </a:r>
           </a:p>
           <a:p>
@@ -3851,6 +3923,36 @@
           <a:p>
             <a:r>
               <a:rPr lang="en-GB" dirty="0"/>
+              <a:t>How is this a </a:t>
+            </a:r>
+            <a:r>
+              <a:rPr lang="en-GB" b="1" dirty="0"/>
+              <a:t>different </a:t>
+            </a:r>
+            <a:r>
+              <a:rPr lang="en-GB" dirty="0"/>
+              <a:t>theoretical mechanism </a:t>
+            </a:r>
+            <a:r>
+              <a:rPr lang="en-GB" b="1" dirty="0"/>
+              <a:t>from</a:t>
+            </a:r>
+            <a:r>
+              <a:rPr lang="en-GB" dirty="0"/>
+              <a:t> the role played by </a:t>
+            </a:r>
+            <a:r>
+              <a:rPr lang="en-GB" b="1" dirty="0"/>
+              <a:t>austerity, benefits, or any welfare state retrenchment</a:t>
+            </a:r>
+            <a:r>
+              <a:rPr lang="en-GB" dirty="0"/>
+              <a:t>? I think you could better elaborate on how public services differ from other “treatments”</a:t>
+            </a:r>
+          </a:p>
+          <a:p>
+            <a:r>
+              <a:rPr lang="en-GB" dirty="0"/>
               <a:t>The argument is that the “</a:t>
             </a:r>
             <a:r>
@@ -3871,36 +3973,6 @@
             </a:r>
           </a:p>
           <a:p>
-            <a:r>
-              <a:rPr lang="en-GB" dirty="0"/>
-              <a:t>How is this a </a:t>
-            </a:r>
-            <a:r>
-              <a:rPr lang="en-GB" b="1" dirty="0"/>
-              <a:t>different </a:t>
-            </a:r>
-            <a:r>
-              <a:rPr lang="en-GB" dirty="0"/>
-              <a:t>theoretical mechanism </a:t>
-            </a:r>
-            <a:r>
-              <a:rPr lang="en-GB" b="1" dirty="0"/>
-              <a:t>from</a:t>
-            </a:r>
-            <a:r>
-              <a:rPr lang="en-GB" dirty="0"/>
-              <a:t> the role played by </a:t>
-            </a:r>
-            <a:r>
-              <a:rPr lang="en-GB" b="1" dirty="0"/>
-              <a:t>austerity, benefits, or any welfare state retrenchment</a:t>
-            </a:r>
-            <a:r>
-              <a:rPr lang="en-GB" dirty="0"/>
-              <a:t>? I think you could better elaborate on how public services are different</a:t>
-            </a:r>
-          </a:p>
-          <a:p>
             <a:pPr marL="0" indent="0">
               <a:buNone/>
             </a:pPr>
@@ -3938,7 +4010,7 @@
             </a:r>
             <a:r>
               <a:rPr lang="en-GB" dirty="0"/>
-              <a:t>, it seem s like an afterthought</a:t>
+              <a:t>, it seems like an afterthought</a:t>
             </a:r>
           </a:p>
           <a:p>
@@ -4023,7 +4095,7 @@
         <p:spPr/>
         <p:txBody>
           <a:bodyPr>
-            <a:normAutofit lnSpcReduction="10000"/>
+            <a:normAutofit fontScale="92500" lnSpcReduction="10000"/>
           </a:bodyPr>
           <a:lstStyle/>
           <a:p>
@@ -4040,7 +4112,7 @@
             <a:pPr lvl="1"/>
             <a:r>
               <a:rPr lang="en-GB" dirty="0"/>
-              <a:t>probably just shows the effect of pandemic + increase in health salience</a:t>
+              <a:t>just shows the effect of pandemic + increase in health salience</a:t>
             </a:r>
           </a:p>
           <a:p>
@@ -4088,20 +4160,37 @@
               <a:rPr lang="en-GB" b="1" dirty="0"/>
               <a:t>outcomes for the evaluation</a:t>
             </a:r>
+          </a:p>
+          <a:p>
+            <a:pPr lvl="1"/>
             <a:r>
               <a:rPr lang="en-GB" dirty="0"/>
-              <a:t>, why only the extreme values? Why not an average response? What are the descriptives for the outcome?</a:t>
+              <a:t>why only the extreme values? </a:t>
+            </a:r>
+          </a:p>
+          <a:p>
+            <a:pPr lvl="1"/>
+            <a:r>
+              <a:rPr lang="en-GB" dirty="0"/>
+              <a:t>Why not an average response? </a:t>
+            </a:r>
+          </a:p>
+          <a:p>
+            <a:pPr lvl="1"/>
+            <a:r>
+              <a:rPr lang="en-GB" dirty="0"/>
+              <a:t>What are the descriptives for the outcome?</a:t>
             </a:r>
             <a:endParaRPr lang="en-DK" dirty="0"/>
           </a:p>
           <a:p>
             <a:r>
               <a:rPr lang="en-DK" dirty="0"/>
-              <a:t>Why not </a:t>
+              <a:t>Why not doing</a:t>
             </a:r>
             <a:r>
               <a:rPr lang="en-GB" dirty="0"/>
-              <a:t>have </a:t>
+              <a:t> </a:t>
             </a:r>
             <a:r>
               <a:rPr lang="en-DK" b="1" dirty="0"/>
@@ -4120,7 +4209,7 @@
                 <a:ea typeface="Aptos" panose="020B0004020202020204" pitchFamily="34" charset="0"/>
                 <a:cs typeface="Times New Roman" panose="02020603050405020304" pitchFamily="18" charset="0"/>
               </a:rPr>
-              <a:t>Why are half of the effect 0 in </a:t>
+              <a:t>Why are half of the effects 0 in </a:t>
             </a:r>
             <a:r>
               <a:rPr lang="en-US" sz="2800" b="1" kern="100" dirty="0">
